--- a/doc/flowchart.pptx
+++ b/doc/flowchart.pptx
@@ -261,7 +261,7 @@
           <a:p>
             <a:fld id="{F49CD275-6187-4509-B815-A776A32A278B}" type="datetimeFigureOut">
               <a:rPr lang="en-GB" smtClean="0"/>
-              <a:t>16/03/2023</a:t>
+              <a:t>18/03/2023</a:t>
             </a:fld>
             <a:endParaRPr lang="en-GB"/>
           </a:p>
@@ -315,7 +315,7 @@
           <a:p>
             <a:fld id="{58B8C508-A2D0-4F8A-A282-AA1A3F46EE2A}" type="slidenum">
               <a:rPr lang="en-GB" smtClean="0"/>
-              <a:t>‹#›</a:t>
+              <a:t>‹Nr.›</a:t>
             </a:fld>
             <a:endParaRPr lang="en-GB"/>
           </a:p>
@@ -459,7 +459,7 @@
           <a:p>
             <a:fld id="{F49CD275-6187-4509-B815-A776A32A278B}" type="datetimeFigureOut">
               <a:rPr lang="en-GB" smtClean="0"/>
-              <a:t>16/03/2023</a:t>
+              <a:t>18/03/2023</a:t>
             </a:fld>
             <a:endParaRPr lang="en-GB"/>
           </a:p>
@@ -513,7 +513,7 @@
           <a:p>
             <a:fld id="{58B8C508-A2D0-4F8A-A282-AA1A3F46EE2A}" type="slidenum">
               <a:rPr lang="en-GB" smtClean="0"/>
-              <a:t>‹#›</a:t>
+              <a:t>‹Nr.›</a:t>
             </a:fld>
             <a:endParaRPr lang="en-GB"/>
           </a:p>
@@ -667,7 +667,7 @@
           <a:p>
             <a:fld id="{F49CD275-6187-4509-B815-A776A32A278B}" type="datetimeFigureOut">
               <a:rPr lang="en-GB" smtClean="0"/>
-              <a:t>16/03/2023</a:t>
+              <a:t>18/03/2023</a:t>
             </a:fld>
             <a:endParaRPr lang="en-GB"/>
           </a:p>
@@ -721,7 +721,7 @@
           <a:p>
             <a:fld id="{58B8C508-A2D0-4F8A-A282-AA1A3F46EE2A}" type="slidenum">
               <a:rPr lang="en-GB" smtClean="0"/>
-              <a:t>‹#›</a:t>
+              <a:t>‹Nr.›</a:t>
             </a:fld>
             <a:endParaRPr lang="en-GB"/>
           </a:p>
@@ -865,7 +865,7 @@
           <a:p>
             <a:fld id="{F49CD275-6187-4509-B815-A776A32A278B}" type="datetimeFigureOut">
               <a:rPr lang="en-GB" smtClean="0"/>
-              <a:t>16/03/2023</a:t>
+              <a:t>18/03/2023</a:t>
             </a:fld>
             <a:endParaRPr lang="en-GB"/>
           </a:p>
@@ -919,7 +919,7 @@
           <a:p>
             <a:fld id="{58B8C508-A2D0-4F8A-A282-AA1A3F46EE2A}" type="slidenum">
               <a:rPr lang="en-GB" smtClean="0"/>
-              <a:t>‹#›</a:t>
+              <a:t>‹Nr.›</a:t>
             </a:fld>
             <a:endParaRPr lang="en-GB"/>
           </a:p>
@@ -1140,7 +1140,7 @@
           <a:p>
             <a:fld id="{F49CD275-6187-4509-B815-A776A32A278B}" type="datetimeFigureOut">
               <a:rPr lang="en-GB" smtClean="0"/>
-              <a:t>16/03/2023</a:t>
+              <a:t>18/03/2023</a:t>
             </a:fld>
             <a:endParaRPr lang="en-GB"/>
           </a:p>
@@ -1194,7 +1194,7 @@
           <a:p>
             <a:fld id="{58B8C508-A2D0-4F8A-A282-AA1A3F46EE2A}" type="slidenum">
               <a:rPr lang="en-GB" smtClean="0"/>
-              <a:t>‹#›</a:t>
+              <a:t>‹Nr.›</a:t>
             </a:fld>
             <a:endParaRPr lang="en-GB"/>
           </a:p>
@@ -1405,7 +1405,7 @@
           <a:p>
             <a:fld id="{F49CD275-6187-4509-B815-A776A32A278B}" type="datetimeFigureOut">
               <a:rPr lang="en-GB" smtClean="0"/>
-              <a:t>16/03/2023</a:t>
+              <a:t>18/03/2023</a:t>
             </a:fld>
             <a:endParaRPr lang="en-GB"/>
           </a:p>
@@ -1459,7 +1459,7 @@
           <a:p>
             <a:fld id="{58B8C508-A2D0-4F8A-A282-AA1A3F46EE2A}" type="slidenum">
               <a:rPr lang="en-GB" smtClean="0"/>
-              <a:t>‹#›</a:t>
+              <a:t>‹Nr.›</a:t>
             </a:fld>
             <a:endParaRPr lang="en-GB"/>
           </a:p>
@@ -1817,7 +1817,7 @@
           <a:p>
             <a:fld id="{F49CD275-6187-4509-B815-A776A32A278B}" type="datetimeFigureOut">
               <a:rPr lang="en-GB" smtClean="0"/>
-              <a:t>16/03/2023</a:t>
+              <a:t>18/03/2023</a:t>
             </a:fld>
             <a:endParaRPr lang="en-GB"/>
           </a:p>
@@ -1871,7 +1871,7 @@
           <a:p>
             <a:fld id="{58B8C508-A2D0-4F8A-A282-AA1A3F46EE2A}" type="slidenum">
               <a:rPr lang="en-GB" smtClean="0"/>
-              <a:t>‹#›</a:t>
+              <a:t>‹Nr.›</a:t>
             </a:fld>
             <a:endParaRPr lang="en-GB"/>
           </a:p>
@@ -1958,7 +1958,7 @@
           <a:p>
             <a:fld id="{F49CD275-6187-4509-B815-A776A32A278B}" type="datetimeFigureOut">
               <a:rPr lang="en-GB" smtClean="0"/>
-              <a:t>16/03/2023</a:t>
+              <a:t>18/03/2023</a:t>
             </a:fld>
             <a:endParaRPr lang="en-GB"/>
           </a:p>
@@ -2012,7 +2012,7 @@
           <a:p>
             <a:fld id="{58B8C508-A2D0-4F8A-A282-AA1A3F46EE2A}" type="slidenum">
               <a:rPr lang="en-GB" smtClean="0"/>
-              <a:t>‹#›</a:t>
+              <a:t>‹Nr.›</a:t>
             </a:fld>
             <a:endParaRPr lang="en-GB"/>
           </a:p>
@@ -2071,7 +2071,7 @@
           <a:p>
             <a:fld id="{F49CD275-6187-4509-B815-A776A32A278B}" type="datetimeFigureOut">
               <a:rPr lang="en-GB" smtClean="0"/>
-              <a:t>16/03/2023</a:t>
+              <a:t>18/03/2023</a:t>
             </a:fld>
             <a:endParaRPr lang="en-GB"/>
           </a:p>
@@ -2125,7 +2125,7 @@
           <a:p>
             <a:fld id="{58B8C508-A2D0-4F8A-A282-AA1A3F46EE2A}" type="slidenum">
               <a:rPr lang="en-GB" smtClean="0"/>
-              <a:t>‹#›</a:t>
+              <a:t>‹Nr.›</a:t>
             </a:fld>
             <a:endParaRPr lang="en-GB"/>
           </a:p>
@@ -2382,7 +2382,7 @@
           <a:p>
             <a:fld id="{F49CD275-6187-4509-B815-A776A32A278B}" type="datetimeFigureOut">
               <a:rPr lang="en-GB" smtClean="0"/>
-              <a:t>16/03/2023</a:t>
+              <a:t>18/03/2023</a:t>
             </a:fld>
             <a:endParaRPr lang="en-GB"/>
           </a:p>
@@ -2436,7 +2436,7 @@
           <a:p>
             <a:fld id="{58B8C508-A2D0-4F8A-A282-AA1A3F46EE2A}" type="slidenum">
               <a:rPr lang="en-GB" smtClean="0"/>
-              <a:t>‹#›</a:t>
+              <a:t>‹Nr.›</a:t>
             </a:fld>
             <a:endParaRPr lang="en-GB"/>
           </a:p>
@@ -2670,7 +2670,7 @@
           <a:p>
             <a:fld id="{F49CD275-6187-4509-B815-A776A32A278B}" type="datetimeFigureOut">
               <a:rPr lang="en-GB" smtClean="0"/>
-              <a:t>16/03/2023</a:t>
+              <a:t>18/03/2023</a:t>
             </a:fld>
             <a:endParaRPr lang="en-GB"/>
           </a:p>
@@ -2724,7 +2724,7 @@
           <a:p>
             <a:fld id="{58B8C508-A2D0-4F8A-A282-AA1A3F46EE2A}" type="slidenum">
               <a:rPr lang="en-GB" smtClean="0"/>
-              <a:t>‹#›</a:t>
+              <a:t>‹Nr.›</a:t>
             </a:fld>
             <a:endParaRPr lang="en-GB"/>
           </a:p>
@@ -2911,7 +2911,7 @@
           <a:p>
             <a:fld id="{F49CD275-6187-4509-B815-A776A32A278B}" type="datetimeFigureOut">
               <a:rPr lang="en-GB" smtClean="0"/>
-              <a:t>16/03/2023</a:t>
+              <a:t>18/03/2023</a:t>
             </a:fld>
             <a:endParaRPr lang="en-GB"/>
           </a:p>
@@ -3001,7 +3001,7 @@
           <a:p>
             <a:fld id="{58B8C508-A2D0-4F8A-A282-AA1A3F46EE2A}" type="slidenum">
               <a:rPr lang="en-GB" smtClean="0"/>
-              <a:t>‹#›</a:t>
+              <a:t>‹Nr.›</a:t>
             </a:fld>
             <a:endParaRPr lang="en-GB"/>
           </a:p>
@@ -5187,7 +5187,7 @@
           <p:nvPr>
             <p:extLst>
               <p:ext uri="{D42A27DB-BD31-4B8C-83A1-F6EECF244321}">
-                <p14:modId xmlns:p14="http://schemas.microsoft.com/office/powerpoint/2010/main" val="3060048058"/>
+                <p14:modId xmlns:p14="http://schemas.microsoft.com/office/powerpoint/2010/main" val="1202175030"/>
               </p:ext>
             </p:extLst>
           </p:nvPr>
@@ -5611,14 +5611,6 @@
                     <a:bodyPr/>
                     <a:lstStyle/>
                     <a:p>
-                      <a:r>
-                        <a:rPr lang="en-GB" dirty="0"/>
-                        <a:t>._</a:t>
-                      </a:r>
-                      <a:r>
-                        <a:rPr lang="en-GB" dirty="0" err="1"/>
-                        <a:t>update_a_prime</a:t>
-                      </a:r>
                       <a:endParaRPr lang="en-GB" dirty="0"/>
                     </a:p>
                   </a:txBody>
@@ -5789,7 +5781,15 @@
             </a:r>
             <a:r>
               <a:rPr lang="en-GB" dirty="0"/>
-              <a:t> as input and returns the difference between the C_T from momentum theory and blade element theory that follows for the current </a:t>
+              <a:t> as input and returns the difference between the C_T from momentum theory (m) and blade element </a:t>
+            </a:r>
+            <a:r>
+              <a:rPr lang="en-GB"/>
+              <a:t>(be) theory </a:t>
+            </a:r>
+            <a:r>
+              <a:rPr lang="en-GB" dirty="0"/>
+              <a:t>that follows for the current </a:t>
             </a:r>
             <a:r>
               <a:rPr lang="en-GB" i="1" dirty="0"/>
@@ -6765,8 +6765,12 @@
           <a:p>
             <a:pPr algn="ctr"/>
             <a:r>
+              <a:rPr lang="en-GB" dirty="0" err="1"/>
+              <a:t>C_Tm-C_Tbe</a:t>
+            </a:r>
+            <a:r>
               <a:rPr lang="en-GB" dirty="0"/>
-              <a:t>a: float</a:t>
+              <a:t>: float</a:t>
             </a:r>
           </a:p>
         </p:txBody>
